--- a/Documentos/CRP.pptx
+++ b/Documentos/CRP.pptx
@@ -5,14 +5,17 @@
     <p:sldMasterId id="2147483648" r:id="rId1"/>
   </p:sldMasterIdLst>
   <p:notesMasterIdLst>
-    <p:notesMasterId r:id="rId7"/>
+    <p:notesMasterId r:id="rId10"/>
   </p:notesMasterIdLst>
   <p:sldIdLst>
     <p:sldId id="258" r:id="rId2"/>
     <p:sldId id="285" r:id="rId3"/>
     <p:sldId id="288" r:id="rId4"/>
-    <p:sldId id="290" r:id="rId5"/>
-    <p:sldId id="289" r:id="rId6"/>
+    <p:sldId id="291" r:id="rId5"/>
+    <p:sldId id="292" r:id="rId6"/>
+    <p:sldId id="293" r:id="rId7"/>
+    <p:sldId id="290" r:id="rId8"/>
+    <p:sldId id="289" r:id="rId9"/>
   </p:sldIdLst>
   <p:sldSz cx="9144000" cy="6858000" type="screen4x3"/>
   <p:notesSz cx="6805613" cy="9939338"/>
@@ -253,7 +256,7 @@
               <a:pPr>
                 <a:defRPr/>
               </a:pPr>
-              <a:t>20/03/2012</a:t>
+              <a:t>12/04/2012</a:t>
             </a:fld>
             <a:endParaRPr lang="es-PE"/>
           </a:p>
@@ -2861,7 +2864,7 @@
               <a:pPr>
                 <a:defRPr/>
               </a:pPr>
-              <a:t>20/03/2012</a:t>
+              <a:t>12/04/2012</a:t>
             </a:fld>
             <a:endParaRPr lang="es-PE"/>
           </a:p>
@@ -3651,6 +3654,13 @@
   <p:clrMapOvr>
     <a:masterClrMapping/>
   </p:clrMapOvr>
+  <p:timing>
+    <p:tnLst>
+      <p:par>
+        <p:cTn id="1" dur="indefinite" restart="never" nodeType="tmRoot"/>
+      </p:par>
+    </p:tnLst>
+  </p:timing>
 </p:sld>
 </file>
 
@@ -3806,6 +3816,13 @@
   <p:clrMapOvr>
     <a:masterClrMapping/>
   </p:clrMapOvr>
+  <p:timing>
+    <p:tnLst>
+      <p:par>
+        <p:cTn id="1" dur="indefinite" restart="never" nodeType="tmRoot"/>
+      </p:par>
+    </p:tnLst>
+  </p:timing>
 </p:sld>
 </file>
 
@@ -3841,7 +3858,15 @@
           <a:bodyPr/>
           <a:lstStyle/>
           <a:p>
-            <a:endParaRPr lang="es-PE"/>
+            <a:r>
+              <a:rPr lang="es-PE" dirty="0"/>
+              <a:t>Arquitectura del </a:t>
+            </a:r>
+            <a:r>
+              <a:rPr lang="es-PE" dirty="0" smtClean="0"/>
+              <a:t>sistema</a:t>
+            </a:r>
+            <a:endParaRPr lang="es-PE" dirty="0"/>
           </a:p>
         </p:txBody>
       </p:sp>
@@ -3860,120 +3885,56 @@
           <a:bodyPr/>
           <a:lstStyle/>
           <a:p>
-            <a:r>
-              <a:rPr lang="es-PE" dirty="0" smtClean="0"/>
-              <a:t>Historias</a:t>
-            </a:r>
-            <a:endParaRPr lang="es-PE" dirty="0"/>
-          </a:p>
-        </p:txBody>
-      </p:sp>
-      <p:sp>
-        <p:nvSpPr>
-          <p:cNvPr id="4" name="3 Marcador de contenido"/>
-          <p:cNvSpPr>
-            <a:spLocks noGrp="1"/>
-          </p:cNvSpPr>
+            <a:endParaRPr lang="es-PE"/>
+          </a:p>
+        </p:txBody>
+      </p:sp>
+      <p:pic>
+        <p:nvPicPr>
+          <p:cNvPr id="5" name="4 Marcador de contenido"/>
+          <p:cNvPicPr>
+            <a:picLocks noGrp="1" noChangeAspect="1"/>
+          </p:cNvPicPr>
           <p:nvPr>
             <p:ph sz="quarter" idx="12"/>
           </p:nvPr>
-        </p:nvSpPr>
-        <p:spPr/>
-        <p:txBody>
-          <a:bodyPr/>
-          <a:lstStyle/>
-          <a:p>
-            <a:r>
-              <a:rPr lang="es-PE" dirty="0" err="1"/>
-              <a:t>Logueo</a:t>
-            </a:r>
-            <a:endParaRPr lang="es-PE" dirty="0"/>
-          </a:p>
-          <a:p>
-            <a:r>
-              <a:rPr lang="es-PE" dirty="0"/>
-              <a:t>Consulta de estado de empresa (</a:t>
-            </a:r>
-            <a:r>
-              <a:rPr lang="es-PE" dirty="0" err="1"/>
-              <a:t>Sunat</a:t>
-            </a:r>
-            <a:r>
-              <a:rPr lang="es-PE" dirty="0"/>
-              <a:t>)</a:t>
-            </a:r>
-          </a:p>
-          <a:p>
-            <a:r>
-              <a:rPr lang="es-PE" dirty="0"/>
-              <a:t>Registrar venta de pauta</a:t>
-            </a:r>
-          </a:p>
-          <a:p>
-            <a:r>
-              <a:rPr lang="es-PE" dirty="0"/>
-              <a:t>Cancelar venta de pauta</a:t>
-            </a:r>
-          </a:p>
-          <a:p>
-            <a:r>
-              <a:rPr lang="es-PE" dirty="0"/>
-              <a:t>Mantenimiento de </a:t>
-            </a:r>
-            <a:r>
-              <a:rPr lang="es-PE" dirty="0" smtClean="0"/>
-              <a:t>empresa</a:t>
-            </a:r>
-          </a:p>
-          <a:p>
-            <a:r>
-              <a:rPr lang="es-PE" dirty="0" smtClean="0"/>
-              <a:t>Mantenimiento </a:t>
-            </a:r>
-            <a:r>
-              <a:rPr lang="es-PE" dirty="0"/>
-              <a:t>de tipo de pautas</a:t>
-            </a:r>
-          </a:p>
-          <a:p>
-            <a:r>
-              <a:rPr lang="es-PE" dirty="0" smtClean="0"/>
-              <a:t>Mantenimiento de tarifa</a:t>
-            </a:r>
-          </a:p>
-          <a:p>
-            <a:r>
-              <a:rPr lang="es-PE" dirty="0" smtClean="0"/>
-              <a:t>Consulta </a:t>
-            </a:r>
-            <a:r>
-              <a:rPr lang="es-PE" dirty="0"/>
-              <a:t>del reporte crediticio de la empresa (</a:t>
-            </a:r>
-            <a:r>
-              <a:rPr lang="es-PE" dirty="0" err="1"/>
-              <a:t>Infocorp</a:t>
-            </a:r>
-            <a:r>
-              <a:rPr lang="es-PE" dirty="0"/>
-              <a:t>)</a:t>
-            </a:r>
-          </a:p>
-          <a:p>
-            <a:endParaRPr lang="es-PE" dirty="0"/>
-          </a:p>
-        </p:txBody>
-      </p:sp>
+        </p:nvPicPr>
+        <p:blipFill>
+          <a:blip r:embed="rId2">
+            <a:extLst>
+              <a:ext uri="{28A0092B-C50C-407E-A947-70E740481C1C}">
+                <a14:useLocalDpi xmlns:a14="http://schemas.microsoft.com/office/drawing/2010/main" val="0"/>
+              </a:ext>
+            </a:extLst>
+          </a:blip>
+          <a:stretch>
+            <a:fillRect/>
+          </a:stretch>
+        </p:blipFill>
+        <p:spPr>
+          <a:xfrm>
+            <a:off x="663920" y="1142985"/>
+            <a:ext cx="7617216" cy="4662279"/>
+          </a:xfrm>
+        </p:spPr>
+      </p:pic>
     </p:spTree>
     <p:extLst>
       <p:ext uri="{BB962C8B-B14F-4D97-AF65-F5344CB8AC3E}">
-        <p14:creationId xmlns:p14="http://schemas.microsoft.com/office/powerpoint/2010/main" val="3799139656"/>
+        <p14:creationId xmlns:p14="http://schemas.microsoft.com/office/powerpoint/2010/main" val="18258692"/>
       </p:ext>
     </p:extLst>
   </p:cSld>
   <p:clrMapOvr>
     <a:masterClrMapping/>
   </p:clrMapOvr>
+  <p:timing>
+    <p:tnLst>
+      <p:par>
+        <p:cTn id="1" dur="indefinite" restart="never" nodeType="tmRoot"/>
+      </p:par>
+    </p:tnLst>
+  </p:timing>
 </p:sld>
 </file>
 
@@ -4009,6 +3970,401 @@
           <a:bodyPr/>
           <a:lstStyle/>
           <a:p>
+            <a:r>
+              <a:rPr lang="es-PE" dirty="0" err="1" smtClean="0"/>
+              <a:t>Atrquitectura</a:t>
+            </a:r>
+            <a:r>
+              <a:rPr lang="es-PE" dirty="0" smtClean="0"/>
+              <a:t> Técnica</a:t>
+            </a:r>
+            <a:endParaRPr lang="es-PE" dirty="0"/>
+          </a:p>
+        </p:txBody>
+      </p:sp>
+      <p:sp>
+        <p:nvSpPr>
+          <p:cNvPr id="3" name="2 Marcador de contenido"/>
+          <p:cNvSpPr>
+            <a:spLocks noGrp="1"/>
+          </p:cNvSpPr>
+          <p:nvPr>
+            <p:ph sz="quarter" idx="11"/>
+          </p:nvPr>
+        </p:nvSpPr>
+        <p:spPr/>
+        <p:txBody>
+          <a:bodyPr/>
+          <a:lstStyle/>
+          <a:p>
+            <a:endParaRPr lang="es-PE"/>
+          </a:p>
+        </p:txBody>
+      </p:sp>
+      <p:pic>
+        <p:nvPicPr>
+          <p:cNvPr id="5" name="4 Marcador de contenido"/>
+          <p:cNvPicPr>
+            <a:picLocks noGrp="1" noChangeAspect="1"/>
+          </p:cNvPicPr>
+          <p:nvPr>
+            <p:ph sz="quarter" idx="12"/>
+          </p:nvPr>
+        </p:nvPicPr>
+        <p:blipFill>
+          <a:blip r:embed="rId2">
+            <a:extLst>
+              <a:ext uri="{28A0092B-C50C-407E-A947-70E740481C1C}">
+                <a14:useLocalDpi xmlns:a14="http://schemas.microsoft.com/office/drawing/2010/main" val="0"/>
+              </a:ext>
+            </a:extLst>
+          </a:blip>
+          <a:stretch>
+            <a:fillRect/>
+          </a:stretch>
+        </p:blipFill>
+        <p:spPr>
+          <a:xfrm>
+            <a:off x="1040993" y="1143000"/>
+            <a:ext cx="7062014" cy="5072063"/>
+          </a:xfrm>
+        </p:spPr>
+      </p:pic>
+    </p:spTree>
+    <p:extLst>
+      <p:ext uri="{BB962C8B-B14F-4D97-AF65-F5344CB8AC3E}">
+        <p14:creationId xmlns:p14="http://schemas.microsoft.com/office/powerpoint/2010/main" val="2083690437"/>
+      </p:ext>
+    </p:extLst>
+  </p:cSld>
+  <p:clrMapOvr>
+    <a:masterClrMapping/>
+  </p:clrMapOvr>
+  <p:timing>
+    <p:tnLst>
+      <p:par>
+        <p:cTn id="1" dur="indefinite" restart="never" nodeType="tmRoot"/>
+      </p:par>
+    </p:tnLst>
+  </p:timing>
+</p:sld>
+</file>
+
+<file path=ppt/slides/slide6.xml><?xml version="1.0" encoding="utf-8"?>
+<p:sld xmlns:a="http://schemas.openxmlformats.org/drawingml/2006/main" xmlns:r="http://schemas.openxmlformats.org/officeDocument/2006/relationships" xmlns:p="http://schemas.openxmlformats.org/presentationml/2006/main">
+  <p:cSld>
+    <p:spTree>
+      <p:nvGrpSpPr>
+        <p:cNvPr id="1" name=""/>
+        <p:cNvGrpSpPr/>
+        <p:nvPr/>
+      </p:nvGrpSpPr>
+      <p:grpSpPr>
+        <a:xfrm>
+          <a:off x="0" y="0"/>
+          <a:ext cx="0" cy="0"/>
+          <a:chOff x="0" y="0"/>
+          <a:chExt cx="0" cy="0"/>
+        </a:xfrm>
+      </p:grpSpPr>
+      <p:sp>
+        <p:nvSpPr>
+          <p:cNvPr id="2" name="1 Título"/>
+          <p:cNvSpPr>
+            <a:spLocks noGrp="1"/>
+          </p:cNvSpPr>
+          <p:nvPr>
+            <p:ph type="title"/>
+          </p:nvPr>
+        </p:nvSpPr>
+        <p:spPr/>
+        <p:txBody>
+          <a:bodyPr/>
+          <a:lstStyle/>
+          <a:p>
+            <a:r>
+              <a:rPr lang="es-PE" dirty="0" smtClean="0"/>
+              <a:t>Diagrama de Despliegue</a:t>
+            </a:r>
+            <a:endParaRPr lang="es-PE" dirty="0"/>
+          </a:p>
+        </p:txBody>
+      </p:sp>
+      <p:sp>
+        <p:nvSpPr>
+          <p:cNvPr id="3" name="2 Marcador de contenido"/>
+          <p:cNvSpPr>
+            <a:spLocks noGrp="1"/>
+          </p:cNvSpPr>
+          <p:nvPr>
+            <p:ph sz="quarter" idx="11"/>
+          </p:nvPr>
+        </p:nvSpPr>
+        <p:spPr/>
+        <p:txBody>
+          <a:bodyPr/>
+          <a:lstStyle/>
+          <a:p>
+            <a:endParaRPr lang="es-PE"/>
+          </a:p>
+        </p:txBody>
+      </p:sp>
+      <p:pic>
+        <p:nvPicPr>
+          <p:cNvPr id="5" name="4 Marcador de contenido"/>
+          <p:cNvPicPr>
+            <a:picLocks noGrp="1" noChangeAspect="1"/>
+          </p:cNvPicPr>
+          <p:nvPr>
+            <p:ph sz="quarter" idx="12"/>
+          </p:nvPr>
+        </p:nvPicPr>
+        <p:blipFill>
+          <a:blip r:embed="rId2">
+            <a:extLst>
+              <a:ext uri="{28A0092B-C50C-407E-A947-70E740481C1C}">
+                <a14:useLocalDpi xmlns:a14="http://schemas.microsoft.com/office/drawing/2010/main" val="0"/>
+              </a:ext>
+            </a:extLst>
+          </a:blip>
+          <a:stretch>
+            <a:fillRect/>
+          </a:stretch>
+        </p:blipFill>
+        <p:spPr>
+          <a:xfrm>
+            <a:off x="695325" y="2455069"/>
+            <a:ext cx="7753350" cy="2447925"/>
+          </a:xfrm>
+        </p:spPr>
+      </p:pic>
+    </p:spTree>
+    <p:extLst>
+      <p:ext uri="{BB962C8B-B14F-4D97-AF65-F5344CB8AC3E}">
+        <p14:creationId xmlns:p14="http://schemas.microsoft.com/office/powerpoint/2010/main" val="3179398241"/>
+      </p:ext>
+    </p:extLst>
+  </p:cSld>
+  <p:clrMapOvr>
+    <a:masterClrMapping/>
+  </p:clrMapOvr>
+  <p:timing>
+    <p:tnLst>
+      <p:par>
+        <p:cTn id="1" dur="indefinite" restart="never" nodeType="tmRoot"/>
+      </p:par>
+    </p:tnLst>
+  </p:timing>
+</p:sld>
+</file>
+
+<file path=ppt/slides/slide7.xml><?xml version="1.0" encoding="utf-8"?>
+<p:sld xmlns:a="http://schemas.openxmlformats.org/drawingml/2006/main" xmlns:r="http://schemas.openxmlformats.org/officeDocument/2006/relationships" xmlns:p="http://schemas.openxmlformats.org/presentationml/2006/main">
+  <p:cSld>
+    <p:spTree>
+      <p:nvGrpSpPr>
+        <p:cNvPr id="1" name=""/>
+        <p:cNvGrpSpPr/>
+        <p:nvPr/>
+      </p:nvGrpSpPr>
+      <p:grpSpPr>
+        <a:xfrm>
+          <a:off x="0" y="0"/>
+          <a:ext cx="0" cy="0"/>
+          <a:chOff x="0" y="0"/>
+          <a:chExt cx="0" cy="0"/>
+        </a:xfrm>
+      </p:grpSpPr>
+      <p:sp>
+        <p:nvSpPr>
+          <p:cNvPr id="2" name="1 Título"/>
+          <p:cNvSpPr>
+            <a:spLocks noGrp="1"/>
+          </p:cNvSpPr>
+          <p:nvPr>
+            <p:ph type="title"/>
+          </p:nvPr>
+        </p:nvSpPr>
+        <p:spPr/>
+        <p:txBody>
+          <a:bodyPr/>
+          <a:lstStyle/>
+          <a:p>
+            <a:endParaRPr lang="es-PE" dirty="0"/>
+          </a:p>
+        </p:txBody>
+      </p:sp>
+      <p:sp>
+        <p:nvSpPr>
+          <p:cNvPr id="3" name="2 Marcador de contenido"/>
+          <p:cNvSpPr>
+            <a:spLocks noGrp="1"/>
+          </p:cNvSpPr>
+          <p:nvPr>
+            <p:ph sz="quarter" idx="11"/>
+          </p:nvPr>
+        </p:nvSpPr>
+        <p:spPr/>
+        <p:txBody>
+          <a:bodyPr/>
+          <a:lstStyle/>
+          <a:p>
+            <a:r>
+              <a:rPr lang="es-PE" dirty="0" smtClean="0"/>
+              <a:t>Historias</a:t>
+            </a:r>
+            <a:endParaRPr lang="es-PE" dirty="0"/>
+          </a:p>
+        </p:txBody>
+      </p:sp>
+      <p:sp>
+        <p:nvSpPr>
+          <p:cNvPr id="4" name="3 Marcador de contenido"/>
+          <p:cNvSpPr>
+            <a:spLocks noGrp="1"/>
+          </p:cNvSpPr>
+          <p:nvPr>
+            <p:ph sz="quarter" idx="12"/>
+          </p:nvPr>
+        </p:nvSpPr>
+        <p:spPr/>
+        <p:txBody>
+          <a:bodyPr/>
+          <a:lstStyle/>
+          <a:p>
+            <a:r>
+              <a:rPr lang="es-PE" dirty="0" err="1"/>
+              <a:t>Logueo</a:t>
+            </a:r>
+            <a:endParaRPr lang="es-PE" dirty="0"/>
+          </a:p>
+          <a:p>
+            <a:r>
+              <a:rPr lang="es-PE" dirty="0"/>
+              <a:t>Consulta de estado de empresa (</a:t>
+            </a:r>
+            <a:r>
+              <a:rPr lang="es-PE" dirty="0" err="1"/>
+              <a:t>Sunat</a:t>
+            </a:r>
+            <a:r>
+              <a:rPr lang="es-PE" dirty="0"/>
+              <a:t>)</a:t>
+            </a:r>
+          </a:p>
+          <a:p>
+            <a:r>
+              <a:rPr lang="es-PE" dirty="0"/>
+              <a:t>Registrar venta de pauta</a:t>
+            </a:r>
+          </a:p>
+          <a:p>
+            <a:r>
+              <a:rPr lang="es-PE" dirty="0"/>
+              <a:t>Cancelar venta de pauta</a:t>
+            </a:r>
+          </a:p>
+          <a:p>
+            <a:r>
+              <a:rPr lang="es-PE" dirty="0"/>
+              <a:t>Mantenimiento de </a:t>
+            </a:r>
+            <a:r>
+              <a:rPr lang="es-PE" dirty="0" smtClean="0"/>
+              <a:t>empresa</a:t>
+            </a:r>
+          </a:p>
+          <a:p>
+            <a:r>
+              <a:rPr lang="es-PE" dirty="0" smtClean="0"/>
+              <a:t>Mantenimiento </a:t>
+            </a:r>
+            <a:r>
+              <a:rPr lang="es-PE" dirty="0"/>
+              <a:t>de tipo de pautas</a:t>
+            </a:r>
+          </a:p>
+          <a:p>
+            <a:r>
+              <a:rPr lang="es-PE" dirty="0" smtClean="0"/>
+              <a:t>Mantenimiento de tarifa</a:t>
+            </a:r>
+          </a:p>
+          <a:p>
+            <a:r>
+              <a:rPr lang="es-PE" dirty="0" smtClean="0"/>
+              <a:t>Consulta </a:t>
+            </a:r>
+            <a:r>
+              <a:rPr lang="es-PE" dirty="0"/>
+              <a:t>del reporte crediticio de la empresa (</a:t>
+            </a:r>
+            <a:r>
+              <a:rPr lang="es-PE" dirty="0" err="1"/>
+              <a:t>Infocorp</a:t>
+            </a:r>
+            <a:r>
+              <a:rPr lang="es-PE" dirty="0"/>
+              <a:t>)</a:t>
+            </a:r>
+          </a:p>
+          <a:p>
+            <a:endParaRPr lang="es-PE" dirty="0"/>
+          </a:p>
+        </p:txBody>
+      </p:sp>
+    </p:spTree>
+    <p:extLst>
+      <p:ext uri="{BB962C8B-B14F-4D97-AF65-F5344CB8AC3E}">
+        <p14:creationId xmlns:p14="http://schemas.microsoft.com/office/powerpoint/2010/main" val="3799139656"/>
+      </p:ext>
+    </p:extLst>
+  </p:cSld>
+  <p:clrMapOvr>
+    <a:masterClrMapping/>
+  </p:clrMapOvr>
+  <p:timing>
+    <p:tnLst>
+      <p:par>
+        <p:cTn id="1" dur="indefinite" restart="never" nodeType="tmRoot"/>
+      </p:par>
+    </p:tnLst>
+  </p:timing>
+</p:sld>
+</file>
+
+<file path=ppt/slides/slide8.xml><?xml version="1.0" encoding="utf-8"?>
+<p:sld xmlns:a="http://schemas.openxmlformats.org/drawingml/2006/main" xmlns:r="http://schemas.openxmlformats.org/officeDocument/2006/relationships" xmlns:p="http://schemas.openxmlformats.org/presentationml/2006/main">
+  <p:cSld>
+    <p:spTree>
+      <p:nvGrpSpPr>
+        <p:cNvPr id="1" name=""/>
+        <p:cNvGrpSpPr/>
+        <p:nvPr/>
+      </p:nvGrpSpPr>
+      <p:grpSpPr>
+        <a:xfrm>
+          <a:off x="0" y="0"/>
+          <a:ext cx="0" cy="0"/>
+          <a:chOff x="0" y="0"/>
+          <a:chExt cx="0" cy="0"/>
+        </a:xfrm>
+      </p:grpSpPr>
+      <p:sp>
+        <p:nvSpPr>
+          <p:cNvPr id="2" name="1 Título"/>
+          <p:cNvSpPr>
+            <a:spLocks noGrp="1"/>
+          </p:cNvSpPr>
+          <p:nvPr>
+            <p:ph type="title"/>
+          </p:nvPr>
+        </p:nvSpPr>
+        <p:spPr/>
+        <p:txBody>
+          <a:bodyPr/>
+          <a:lstStyle/>
+          <a:p>
             <a:endParaRPr lang="es-PE"/>
           </a:p>
         </p:txBody>
@@ -4051,69 +4407,73 @@
               <a:buNone/>
             </a:pPr>
             <a:r>
-              <a:rPr lang="es-PE" b="1" dirty="0"/>
+              <a:rPr lang="es-PE" b="1" dirty="0" smtClean="0"/>
               <a:t>Conclusiones</a:t>
+            </a:r>
+          </a:p>
+          <a:p>
+            <a:r>
+              <a:rPr lang="es-PE" dirty="0"/>
+              <a:t>El proyecto nos ha servido a utilizar y generar servicios de tipo SOAP y REST para obtener información de aplicaciones que no están conectadas por la misma red ni bajo la misma estructura.</a:t>
+            </a:r>
+          </a:p>
+          <a:p>
+            <a:r>
+              <a:rPr lang="es-PE" dirty="0"/>
+              <a:t>Aprender a comunicar 2 sistemas utilizando el </a:t>
+            </a:r>
+            <a:r>
+              <a:rPr lang="es-PE" dirty="0" err="1"/>
+              <a:t>wsdl</a:t>
+            </a:r>
+            <a:r>
+              <a:rPr lang="es-PE" dirty="0"/>
+              <a:t> generando archivos </a:t>
+            </a:r>
+            <a:r>
+              <a:rPr lang="es-PE" dirty="0" err="1"/>
+              <a:t>xml</a:t>
+            </a:r>
+            <a:r>
+              <a:rPr lang="es-PE" dirty="0"/>
+              <a:t> para transferir          información de manera segura.</a:t>
+            </a:r>
+          </a:p>
+          <a:p>
+            <a:r>
+              <a:rPr lang="es-PE" dirty="0"/>
+              <a:t>Nos ha permitido utilizar herramientas para la administración de proyectos, control de revisiones, repositorios y con ellos simular un proceso real.</a:t>
+            </a:r>
+          </a:p>
+          <a:p>
+            <a:r>
+              <a:rPr lang="es-PE" dirty="0"/>
+              <a:t>Nos ha permitido integrar 2 sistemas diferentes sin importar el lenguaje de programación en el que está desarrollado cada uno.</a:t>
+            </a:r>
+          </a:p>
+          <a:p>
+            <a:r>
+              <a:rPr lang="es-PE" dirty="0"/>
+              <a:t>Éste sistema permitirá a la empresa reducir costos, tiempo y recursos en la verificación de datos las diversas posibles clientes potenciales.</a:t>
+            </a:r>
+          </a:p>
+          <a:p>
+            <a:r>
+              <a:rPr lang="es-PE" dirty="0"/>
+              <a:t>Permite tomar decisiones más acertadas y proporcionar a nuestros clientes potenciales propuestas y ofertas orientadas a sus necesidades y situación actual.</a:t>
+            </a:r>
+          </a:p>
+          <a:p>
+            <a:r>
+              <a:rPr lang="es-PE" dirty="0"/>
+              <a:t>Permite a la empresa modernizar sus sistemas e integrar la información para que esté disponible en todo momento.</a:t>
             </a:r>
           </a:p>
           <a:p>
             <a:pPr marL="0" indent="0">
               <a:buNone/>
             </a:pPr>
-            <a:r>
-              <a:rPr lang="es-PE" dirty="0"/>
-              <a:t/>
-            </a:r>
-            <a:br>
-              <a:rPr lang="es-PE" dirty="0"/>
-            </a:br>
-            <a:r>
-              <a:rPr lang="es-PE" dirty="0"/>
-              <a:t>1. El proyecto nos ha servido a utilizar y generar servicios de tipo SOAP </a:t>
-            </a:r>
-            <a:br>
-              <a:rPr lang="es-PE" dirty="0"/>
-            </a:br>
-            <a:r>
-              <a:rPr lang="es-PE" dirty="0"/>
-              <a:t/>
-            </a:r>
-            <a:br>
-              <a:rPr lang="es-PE" dirty="0"/>
-            </a:br>
-            <a:r>
-              <a:rPr lang="es-PE" dirty="0"/>
-              <a:t>2. Aprender a comunicar 2 sistemas utilizando el </a:t>
-            </a:r>
-            <a:r>
-              <a:rPr lang="es-PE" dirty="0" err="1"/>
-              <a:t>wsdl</a:t>
-            </a:r>
-            <a:r>
-              <a:rPr lang="es-PE" dirty="0"/>
-              <a:t> generando archivos </a:t>
-            </a:r>
-            <a:r>
-              <a:rPr lang="es-PE" dirty="0" err="1"/>
-              <a:t>xml</a:t>
-            </a:r>
-            <a:r>
-              <a:rPr lang="es-PE" dirty="0"/>
-              <a:t> para transferir          información de manera segura.</a:t>
-            </a:r>
-            <a:br>
-              <a:rPr lang="es-PE" dirty="0"/>
-            </a:br>
-            <a:r>
-              <a:rPr lang="es-PE" dirty="0"/>
-              <a:t/>
-            </a:r>
-            <a:br>
-              <a:rPr lang="es-PE" dirty="0"/>
-            </a:br>
-            <a:r>
-              <a:rPr lang="es-PE" dirty="0"/>
-              <a:t>3. Nos ha permitido utilizar herramientas para la administración de proyectos, control de revisiones, repositorios y con ellos simular un proceso real.</a:t>
-            </a:r>
+            <a:endParaRPr lang="es-PE" dirty="0" smtClean="0"/>
           </a:p>
           <a:p>
             <a:endParaRPr lang="es-PE" dirty="0"/>
@@ -4130,6 +4490,13 @@
   <p:clrMapOvr>
     <a:masterClrMapping/>
   </p:clrMapOvr>
+  <p:timing>
+    <p:tnLst>
+      <p:par>
+        <p:cTn id="1" dur="indefinite" restart="never" nodeType="tmRoot"/>
+      </p:par>
+    </p:tnLst>
+  </p:timing>
 </p:sld>
 </file>
 
